--- a/chapter13/图片/pic.pptx
+++ b/chapter13/图片/pic.pptx
@@ -291,7 +291,7 @@
           <a:p>
             <a:fld id="{530820CF-B880-4189-942D-D702A7CBA730}" type="datetimeFigureOut">
               <a:rPr lang="zh-CN" altLang="en-US" smtClean="0"/>
-              <a:t>2020/3/17</a:t>
+              <a:t>2020/6/17</a:t>
             </a:fld>
             <a:endParaRPr lang="zh-CN" altLang="en-US"/>
           </a:p>
@@ -456,7 +456,7 @@
           <a:p>
             <a:fld id="{530820CF-B880-4189-942D-D702A7CBA730}" type="datetimeFigureOut">
               <a:rPr lang="zh-CN" altLang="en-US" smtClean="0"/>
-              <a:t>2020/3/17</a:t>
+              <a:t>2020/6/17</a:t>
             </a:fld>
             <a:endParaRPr lang="zh-CN" altLang="en-US"/>
           </a:p>
@@ -631,7 +631,7 @@
           <a:p>
             <a:fld id="{530820CF-B880-4189-942D-D702A7CBA730}" type="datetimeFigureOut">
               <a:rPr lang="zh-CN" altLang="en-US" smtClean="0"/>
-              <a:t>2020/3/17</a:t>
+              <a:t>2020/6/17</a:t>
             </a:fld>
             <a:endParaRPr lang="zh-CN" altLang="en-US"/>
           </a:p>
@@ -796,7 +796,7 @@
           <a:p>
             <a:fld id="{530820CF-B880-4189-942D-D702A7CBA730}" type="datetimeFigureOut">
               <a:rPr lang="zh-CN" altLang="en-US" smtClean="0"/>
-              <a:t>2020/3/17</a:t>
+              <a:t>2020/6/17</a:t>
             </a:fld>
             <a:endParaRPr lang="zh-CN" altLang="en-US"/>
           </a:p>
@@ -1037,7 +1037,7 @@
           <a:p>
             <a:fld id="{530820CF-B880-4189-942D-D702A7CBA730}" type="datetimeFigureOut">
               <a:rPr lang="zh-CN" altLang="en-US" smtClean="0"/>
-              <a:t>2020/3/17</a:t>
+              <a:t>2020/6/17</a:t>
             </a:fld>
             <a:endParaRPr lang="zh-CN" altLang="en-US"/>
           </a:p>
@@ -1320,7 +1320,7 @@
           <a:p>
             <a:fld id="{530820CF-B880-4189-942D-D702A7CBA730}" type="datetimeFigureOut">
               <a:rPr lang="zh-CN" altLang="en-US" smtClean="0"/>
-              <a:t>2020/3/17</a:t>
+              <a:t>2020/6/17</a:t>
             </a:fld>
             <a:endParaRPr lang="zh-CN" altLang="en-US"/>
           </a:p>
@@ -1737,7 +1737,7 @@
           <a:p>
             <a:fld id="{530820CF-B880-4189-942D-D702A7CBA730}" type="datetimeFigureOut">
               <a:rPr lang="zh-CN" altLang="en-US" smtClean="0"/>
-              <a:t>2020/3/17</a:t>
+              <a:t>2020/6/17</a:t>
             </a:fld>
             <a:endParaRPr lang="zh-CN" altLang="en-US"/>
           </a:p>
@@ -1850,7 +1850,7 @@
           <a:p>
             <a:fld id="{530820CF-B880-4189-942D-D702A7CBA730}" type="datetimeFigureOut">
               <a:rPr lang="zh-CN" altLang="en-US" smtClean="0"/>
-              <a:t>2020/3/17</a:t>
+              <a:t>2020/6/17</a:t>
             </a:fld>
             <a:endParaRPr lang="zh-CN" altLang="en-US"/>
           </a:p>
@@ -1940,7 +1940,7 @@
           <a:p>
             <a:fld id="{530820CF-B880-4189-942D-D702A7CBA730}" type="datetimeFigureOut">
               <a:rPr lang="zh-CN" altLang="en-US" smtClean="0"/>
-              <a:t>2020/3/17</a:t>
+              <a:t>2020/6/17</a:t>
             </a:fld>
             <a:endParaRPr lang="zh-CN" altLang="en-US"/>
           </a:p>
@@ -2212,7 +2212,7 @@
           <a:p>
             <a:fld id="{530820CF-B880-4189-942D-D702A7CBA730}" type="datetimeFigureOut">
               <a:rPr lang="zh-CN" altLang="en-US" smtClean="0"/>
-              <a:t>2020/3/17</a:t>
+              <a:t>2020/6/17</a:t>
             </a:fld>
             <a:endParaRPr lang="zh-CN" altLang="en-US"/>
           </a:p>
@@ -2460,7 +2460,7 @@
           <a:p>
             <a:fld id="{530820CF-B880-4189-942D-D702A7CBA730}" type="datetimeFigureOut">
               <a:rPr lang="zh-CN" altLang="en-US" smtClean="0"/>
-              <a:t>2020/3/17</a:t>
+              <a:t>2020/6/17</a:t>
             </a:fld>
             <a:endParaRPr lang="zh-CN" altLang="en-US"/>
           </a:p>
@@ -2668,7 +2668,7 @@
           <a:p>
             <a:fld id="{530820CF-B880-4189-942D-D702A7CBA730}" type="datetimeFigureOut">
               <a:rPr lang="zh-CN" altLang="en-US" smtClean="0"/>
-              <a:t>2020/3/17</a:t>
+              <a:t>2020/6/17</a:t>
             </a:fld>
             <a:endParaRPr lang="zh-CN" altLang="en-US"/>
           </a:p>
@@ -3510,70 +3510,6 @@
           </a:graphicData>
         </a:graphic>
       </p:graphicFrame>
-      <p:sp>
-        <p:nvSpPr>
-          <p:cNvPr id="10" name="TextBox 9"/>
-          <p:cNvSpPr txBox="1"/>
-          <p:nvPr/>
-        </p:nvSpPr>
-        <p:spPr>
-          <a:xfrm>
-            <a:off x="1331640" y="4437112"/>
-            <a:ext cx="3108029" cy="461665"/>
-          </a:xfrm>
-          <a:prstGeom prst="rect">
-            <a:avLst/>
-          </a:prstGeom>
-          <a:noFill/>
-        </p:spPr>
-        <p:txBody>
-          <a:bodyPr wrap="square" rtlCol="0">
-            <a:spAutoFit/>
-          </a:bodyPr>
-          <a:lstStyle/>
-          <a:p>
-            <a:r>
-              <a:rPr lang="en-US" altLang="zh-CN" sz="2400" b="1" dirty="0" smtClean="0"/>
-              <a:t>Bagging</a:t>
-            </a:r>
-            <a:r>
-              <a:rPr lang="zh-CN" altLang="en-US" sz="2400" b="1" dirty="0" smtClean="0"/>
-              <a:t>集成</a:t>
-            </a:r>
-            <a:endParaRPr lang="zh-CN" altLang="en-US" sz="2400" b="1" dirty="0"/>
-          </a:p>
-        </p:txBody>
-      </p:sp>
-      <p:sp>
-        <p:nvSpPr>
-          <p:cNvPr id="11" name="TextBox 10"/>
-          <p:cNvSpPr txBox="1"/>
-          <p:nvPr/>
-        </p:nvSpPr>
-        <p:spPr>
-          <a:xfrm>
-            <a:off x="5868144" y="4437111"/>
-            <a:ext cx="4176464" cy="461665"/>
-          </a:xfrm>
-          <a:prstGeom prst="rect">
-            <a:avLst/>
-          </a:prstGeom>
-          <a:noFill/>
-        </p:spPr>
-        <p:txBody>
-          <a:bodyPr wrap="square" rtlCol="0">
-            <a:spAutoFit/>
-          </a:bodyPr>
-          <a:lstStyle/>
-          <a:p>
-            <a:r>
-              <a:rPr lang="zh-CN" altLang="en-US" sz="2400" b="1" dirty="0" smtClean="0"/>
-              <a:t>随机森林</a:t>
-            </a:r>
-            <a:endParaRPr lang="zh-CN" altLang="en-US" sz="2400" b="1" dirty="0"/>
-          </a:p>
-        </p:txBody>
-      </p:sp>
       <p:graphicFrame>
         <p:nvGraphicFramePr>
           <p:cNvPr id="12" name="表格 11"/>
@@ -4574,7 +4510,7 @@
           <a:graphicData uri="http://schemas.openxmlformats.org/presentationml/2006/ole">
             <mc:AlternateContent xmlns:mc="http://schemas.openxmlformats.org/markup-compatibility/2006">
               <mc:Choice xmlns:v="urn:schemas-microsoft-com:vml" Requires="v">
-                <p:oleObj spid="_x0000_s1041" name="Equation" r:id="rId3" imgW="152280" imgH="190440" progId="Equation.DSMT4">
+                <p:oleObj spid="_x0000_s1046" name="Equation" r:id="rId3" imgW="152280" imgH="190440" progId="Equation.DSMT4">
                   <p:embed/>
                 </p:oleObj>
               </mc:Choice>
@@ -4664,7 +4600,7 @@
           <a:graphicData uri="http://schemas.openxmlformats.org/presentationml/2006/ole">
             <mc:AlternateContent xmlns:mc="http://schemas.openxmlformats.org/markup-compatibility/2006">
               <mc:Choice xmlns:v="urn:schemas-microsoft-com:vml" Requires="v">
-                <p:oleObj spid="_x0000_s1042" name="Equation" r:id="rId5" imgW="177480" imgH="190440" progId="Equation.DSMT4">
+                <p:oleObj spid="_x0000_s1047" name="Equation" r:id="rId5" imgW="177480" imgH="190440" progId="Equation.DSMT4">
                   <p:embed/>
                 </p:oleObj>
               </mc:Choice>
@@ -4754,7 +4690,7 @@
           <a:graphicData uri="http://schemas.openxmlformats.org/presentationml/2006/ole">
             <mc:AlternateContent xmlns:mc="http://schemas.openxmlformats.org/markup-compatibility/2006">
               <mc:Choice xmlns:v="urn:schemas-microsoft-com:vml" Requires="v">
-                <p:oleObj spid="_x0000_s1043" name="Equation" r:id="rId7" imgW="164880" imgH="190440" progId="Equation.DSMT4">
+                <p:oleObj spid="_x0000_s1048" name="Equation" r:id="rId7" imgW="164880" imgH="190440" progId="Equation.DSMT4">
                   <p:embed/>
                 </p:oleObj>
               </mc:Choice>
@@ -4844,7 +4780,7 @@
           <a:graphicData uri="http://schemas.openxmlformats.org/presentationml/2006/ole">
             <mc:AlternateContent xmlns:mc="http://schemas.openxmlformats.org/markup-compatibility/2006">
               <mc:Choice xmlns:v="urn:schemas-microsoft-com:vml" Requires="v">
-                <p:oleObj spid="_x0000_s1044" name="Equation" r:id="rId9" imgW="177480" imgH="190440" progId="Equation.DSMT4">
+                <p:oleObj spid="_x0000_s1049" name="Equation" r:id="rId9" imgW="177480" imgH="190440" progId="Equation.DSMT4">
                   <p:embed/>
                 </p:oleObj>
               </mc:Choice>
@@ -4934,7 +4870,7 @@
           <a:graphicData uri="http://schemas.openxmlformats.org/presentationml/2006/ole">
             <mc:AlternateContent xmlns:mc="http://schemas.openxmlformats.org/markup-compatibility/2006">
               <mc:Choice xmlns:v="urn:schemas-microsoft-com:vml" Requires="v">
-                <p:oleObj spid="_x0000_s1045" name="Equation" r:id="rId11" imgW="164880" imgH="190440" progId="Equation.DSMT4">
+                <p:oleObj spid="_x0000_s1050" name="Equation" r:id="rId11" imgW="164880" imgH="190440" progId="Equation.DSMT4">
                   <p:embed/>
                 </p:oleObj>
               </mc:Choice>
@@ -6087,7 +6023,7 @@
         <a:sysClr val="windowText" lastClr="000000"/>
       </a:dk1>
       <a:lt1>
-        <a:sysClr val="window" lastClr="CCE8CF"/>
+        <a:sysClr val="window" lastClr="FFFFFF"/>
       </a:lt1>
       <a:dk2>
         <a:srgbClr val="1F497D"/>
